--- a/report/figures/proofComparison.pptx
+++ b/report/figures/proofComparison.pptx
@@ -107,6 +107,11 @@
       </a:defRPr>
     </a:lvl9pPr>
   </p:defaultTextStyle>
+  <p:extLst>
+    <p:ext uri="{EFAFB233-063F-42B5-8137-9DF3F51BA10A}">
+      <p15:sldGuideLst xmlns:p15="http://schemas.microsoft.com/office/powerpoint/2012/main"/>
+    </p:ext>
+  </p:extLst>
 </p:presentation>
 </file>
 
@@ -192,7 +197,7 @@
           <a:p>
             <a:fld id="{F80554EE-F0E5-F746-AB68-BF944C6D0358}" type="datetimeFigureOut">
               <a:rPr lang="en-GB" smtClean="0"/>
-              <a:t>08/06/2017</a:t>
+              <a:t>18/06/2017</a:t>
             </a:fld>
             <a:endParaRPr lang="en-GB"/>
           </a:p>
@@ -591,7 +596,7 @@
           <a:p>
             <a:fld id="{D0138C5A-9A76-454E-950F-A523FCA1BD81}" type="datetimeFigureOut">
               <a:rPr lang="en-GB" smtClean="0"/>
-              <a:t>08/06/2017</a:t>
+              <a:t>18/06/2017</a:t>
             </a:fld>
             <a:endParaRPr lang="en-GB"/>
           </a:p>
@@ -761,7 +766,7 @@
           <a:p>
             <a:fld id="{D0138C5A-9A76-454E-950F-A523FCA1BD81}" type="datetimeFigureOut">
               <a:rPr lang="en-GB" smtClean="0"/>
-              <a:t>08/06/2017</a:t>
+              <a:t>18/06/2017</a:t>
             </a:fld>
             <a:endParaRPr lang="en-GB"/>
           </a:p>
@@ -941,7 +946,7 @@
           <a:p>
             <a:fld id="{D0138C5A-9A76-454E-950F-A523FCA1BD81}" type="datetimeFigureOut">
               <a:rPr lang="en-GB" smtClean="0"/>
-              <a:t>08/06/2017</a:t>
+              <a:t>18/06/2017</a:t>
             </a:fld>
             <a:endParaRPr lang="en-GB"/>
           </a:p>
@@ -1111,7 +1116,7 @@
           <a:p>
             <a:fld id="{D0138C5A-9A76-454E-950F-A523FCA1BD81}" type="datetimeFigureOut">
               <a:rPr lang="en-GB" smtClean="0"/>
-              <a:t>08/06/2017</a:t>
+              <a:t>18/06/2017</a:t>
             </a:fld>
             <a:endParaRPr lang="en-GB"/>
           </a:p>
@@ -1357,7 +1362,7 @@
           <a:p>
             <a:fld id="{D0138C5A-9A76-454E-950F-A523FCA1BD81}" type="datetimeFigureOut">
               <a:rPr lang="en-GB" smtClean="0"/>
-              <a:t>08/06/2017</a:t>
+              <a:t>18/06/2017</a:t>
             </a:fld>
             <a:endParaRPr lang="en-GB"/>
           </a:p>
@@ -1589,7 +1594,7 @@
           <a:p>
             <a:fld id="{D0138C5A-9A76-454E-950F-A523FCA1BD81}" type="datetimeFigureOut">
               <a:rPr lang="en-GB" smtClean="0"/>
-              <a:t>08/06/2017</a:t>
+              <a:t>18/06/2017</a:t>
             </a:fld>
             <a:endParaRPr lang="en-GB"/>
           </a:p>
@@ -1956,7 +1961,7 @@
           <a:p>
             <a:fld id="{D0138C5A-9A76-454E-950F-A523FCA1BD81}" type="datetimeFigureOut">
               <a:rPr lang="en-GB" smtClean="0"/>
-              <a:t>08/06/2017</a:t>
+              <a:t>18/06/2017</a:t>
             </a:fld>
             <a:endParaRPr lang="en-GB"/>
           </a:p>
@@ -2074,7 +2079,7 @@
           <a:p>
             <a:fld id="{D0138C5A-9A76-454E-950F-A523FCA1BD81}" type="datetimeFigureOut">
               <a:rPr lang="en-GB" smtClean="0"/>
-              <a:t>08/06/2017</a:t>
+              <a:t>18/06/2017</a:t>
             </a:fld>
             <a:endParaRPr lang="en-GB"/>
           </a:p>
@@ -2169,7 +2174,7 @@
           <a:p>
             <a:fld id="{D0138C5A-9A76-454E-950F-A523FCA1BD81}" type="datetimeFigureOut">
               <a:rPr lang="en-GB" smtClean="0"/>
-              <a:t>08/06/2017</a:t>
+              <a:t>18/06/2017</a:t>
             </a:fld>
             <a:endParaRPr lang="en-GB"/>
           </a:p>
@@ -2446,7 +2451,7 @@
           <a:p>
             <a:fld id="{D0138C5A-9A76-454E-950F-A523FCA1BD81}" type="datetimeFigureOut">
               <a:rPr lang="en-GB" smtClean="0"/>
-              <a:t>08/06/2017</a:t>
+              <a:t>18/06/2017</a:t>
             </a:fld>
             <a:endParaRPr lang="en-GB"/>
           </a:p>
@@ -2699,7 +2704,7 @@
           <a:p>
             <a:fld id="{D0138C5A-9A76-454E-950F-A523FCA1BD81}" type="datetimeFigureOut">
               <a:rPr lang="en-GB" smtClean="0"/>
-              <a:t>08/06/2017</a:t>
+              <a:t>18/06/2017</a:t>
             </a:fld>
             <a:endParaRPr lang="en-GB"/>
           </a:p>
@@ -2912,7 +2917,7 @@
           <a:p>
             <a:fld id="{D0138C5A-9A76-454E-950F-A523FCA1BD81}" type="datetimeFigureOut">
               <a:rPr lang="en-GB" smtClean="0"/>
-              <a:t>08/06/2017</a:t>
+              <a:t>18/06/2017</a:t>
             </a:fld>
             <a:endParaRPr lang="en-GB"/>
           </a:p>
@@ -3485,8 +3490,8 @@
         </p:blipFill>
         <p:spPr>
           <a:xfrm>
-            <a:off x="6253817" y="1642034"/>
-            <a:ext cx="5294715" cy="3573932"/>
+            <a:off x="6237165" y="1642033"/>
+            <a:ext cx="5181265" cy="3678111"/>
           </a:xfrm>
           <a:prstGeom prst="rect">
             <a:avLst/>
@@ -3515,8 +3520,8 @@
         </p:blipFill>
         <p:spPr>
           <a:xfrm>
-            <a:off x="643467" y="1655269"/>
-            <a:ext cx="5294716" cy="3547459"/>
+            <a:off x="763260" y="1655269"/>
+            <a:ext cx="5222448" cy="3664876"/>
           </a:xfrm>
           <a:prstGeom prst="rect">
             <a:avLst/>
@@ -3574,8 +3579,8 @@
         </p:nvSpPr>
         <p:spPr>
           <a:xfrm>
-            <a:off x="1177636" y="2660075"/>
-            <a:ext cx="3560619" cy="665018"/>
+            <a:off x="1288809" y="2646220"/>
+            <a:ext cx="3172356" cy="665018"/>
           </a:xfrm>
           <a:prstGeom prst="rect">
             <a:avLst/>
@@ -3620,8 +3625,8 @@
         </p:nvSpPr>
         <p:spPr>
           <a:xfrm>
-            <a:off x="6780582" y="2687785"/>
-            <a:ext cx="3208545" cy="277089"/>
+            <a:off x="6739017" y="2632365"/>
+            <a:ext cx="3014583" cy="249379"/>
           </a:xfrm>
           <a:prstGeom prst="rect">
             <a:avLst/>
